--- a/GroepsWerk Security.pptx
+++ b/GroepsWerk Security.pptx
@@ -112,17 +112,18 @@
       </a:defRPr>
     </a:lvl9pPr>
   </p:defaultTextStyle>
+  <p:extLst>
+    <p:ext uri="{EFAFB233-063F-42B5-8137-9DF3F51BA10A}">
+      <p15:sldGuideLst xmlns:p15="http://schemas.microsoft.com/office/powerpoint/2012/main"/>
+    </p:ext>
+  </p:extLst>
 </p:presentation>
 </file>
 
 <file path=ppt/commentAuthors.xml><?xml version="1.0" encoding="utf-8"?>
 <p:cmAuthorLst xmlns:a="http://schemas.openxmlformats.org/drawingml/2006/main" xmlns:r="http://schemas.openxmlformats.org/officeDocument/2006/relationships" xmlns:p="http://schemas.openxmlformats.org/presentationml/2006/main">
   <p:cmAuthor id="1" name="Robby" initials="R" lastIdx="1" clrIdx="0">
-    <p:extLst>
-      <p:ext uri="{19B8F6BF-5375-455C-9EA6-DF929625EA0E}">
-        <p15:presenceInfo xmlns:p15="http://schemas.microsoft.com/office/powerpoint/2012/main" userId="" providerId="None"/>
-      </p:ext>
-    </p:extLst>
+    <p:extLst/>
   </p:cmAuthor>
 </p:cmAuthorLst>
 </file>
@@ -5604,8 +5605,21 @@
                   <a:schemeClr val="bg1"/>
                 </a:solidFill>
               </a:rPr>
-              <a:t>ryptografie + stenografie</a:t>
-            </a:r>
+              <a:t>ryptografie + </a:t>
+            </a:r>
+            <a:r>
+              <a:rPr lang="nl-BE" sz="3200" dirty="0" smtClean="0">
+                <a:solidFill>
+                  <a:schemeClr val="bg1"/>
+                </a:solidFill>
+              </a:rPr>
+              <a:t>steganografie</a:t>
+            </a:r>
+            <a:endParaRPr lang="nl-BE" sz="3200" dirty="0" smtClean="0">
+              <a:solidFill>
+                <a:schemeClr val="bg1"/>
+              </a:solidFill>
+            </a:endParaRPr>
           </a:p>
           <a:p>
             <a:pPr marL="285750" indent="-285750">
@@ -5813,12 +5827,12 @@
               <a:buChar char="•"/>
             </a:pPr>
             <a:r>
-              <a:rPr lang="nl-BE" sz="3200" dirty="0">
+              <a:rPr lang="nl-BE" sz="3200" dirty="0" smtClean="0">
                 <a:solidFill>
                   <a:schemeClr val="bg1"/>
                 </a:solidFill>
               </a:rPr>
-              <a:t>s</a:t>
+              <a:t>steganografie </a:t>
             </a:r>
             <a:r>
               <a:rPr lang="nl-BE" sz="3200" dirty="0" smtClean="0">
@@ -5826,7 +5840,7 @@
                   <a:schemeClr val="bg1"/>
                 </a:solidFill>
               </a:rPr>
-              <a:t>tenografie + gui</a:t>
+              <a:t>+ gui</a:t>
             </a:r>
             <a:endParaRPr lang="nl-BE" sz="3200" dirty="0">
               <a:solidFill>
@@ -6357,7 +6371,7 @@
               <a:t> </a:t>
             </a:r>
             <a:r>
-              <a:rPr lang="en-US" sz="2800" i="1" dirty="0">
+              <a:rPr lang="en-US" sz="2800" dirty="0">
                 <a:solidFill>
                   <a:schemeClr val="bg1"/>
                 </a:solidFill>
@@ -6365,7 +6379,7 @@
               <a:t>32314 - </a:t>
             </a:r>
             <a:r>
-              <a:rPr lang="en-US" sz="2800" i="1" dirty="0" err="1">
+              <a:rPr lang="en-US" sz="2800" dirty="0" err="1">
                 <a:solidFill>
                   <a:schemeClr val="bg1"/>
                 </a:solidFill>
@@ -6373,7 +6387,7 @@
               <a:t>Debian</a:t>
             </a:r>
             <a:r>
-              <a:rPr lang="en-US" sz="2800" i="1" dirty="0">
+              <a:rPr lang="en-US" sz="2800" dirty="0">
                 <a:solidFill>
                   <a:schemeClr val="bg1"/>
                 </a:solidFill>
@@ -6381,7 +6395,7 @@
               <a:t> </a:t>
             </a:r>
             <a:r>
-              <a:rPr lang="en-US" sz="2800" i="1" dirty="0" err="1">
+              <a:rPr lang="en-US" sz="2800" dirty="0" err="1">
                 <a:solidFill>
                   <a:schemeClr val="bg1"/>
                 </a:solidFill>
@@ -6389,7 +6403,7 @@
               <a:t>OpenSSH</a:t>
             </a:r>
             <a:r>
-              <a:rPr lang="en-US" sz="2800" i="1" dirty="0">
+              <a:rPr lang="en-US" sz="2800" dirty="0">
                 <a:solidFill>
                   <a:schemeClr val="bg1"/>
                 </a:solidFill>
@@ -6397,7 +6411,7 @@
               <a:t>/OpenSSL Package Random Number Generator </a:t>
             </a:r>
             <a:r>
-              <a:rPr lang="en-US" sz="2800" i="1" dirty="0" smtClean="0">
+              <a:rPr lang="en-US" sz="2800" dirty="0" smtClean="0">
                 <a:solidFill>
                   <a:schemeClr val="bg1"/>
                 </a:solidFill>
@@ -6411,7 +6425,7 @@
               <a:buChar char="•"/>
             </a:pPr>
             <a:r>
-              <a:rPr lang="en-US" sz="3200" i="1" dirty="0">
+              <a:rPr lang="en-US" sz="3200" dirty="0">
                 <a:solidFill>
                   <a:schemeClr val="bg1"/>
                 </a:solidFill>
@@ -6419,7 +6433,7 @@
               <a:t>33447 - Multiple Vendor DNS Query ID Field Prediction Cache </a:t>
             </a:r>
             <a:r>
-              <a:rPr lang="en-US" sz="3200" i="1" dirty="0" smtClean="0">
+              <a:rPr lang="en-US" sz="3200" dirty="0" smtClean="0">
                 <a:solidFill>
                   <a:schemeClr val="bg1"/>
                 </a:solidFill>
@@ -6433,7 +6447,7 @@
               <a:buChar char="•"/>
             </a:pPr>
             <a:r>
-              <a:rPr lang="nl-BE" sz="3200" i="1" dirty="0">
+              <a:rPr lang="nl-BE" sz="3200" dirty="0">
                 <a:solidFill>
                   <a:schemeClr val="bg1"/>
                 </a:solidFill>
@@ -6441,7 +6455,7 @@
               <a:t>26928 - SSL </a:t>
             </a:r>
             <a:r>
-              <a:rPr lang="nl-BE" sz="3200" i="1" dirty="0" err="1">
+              <a:rPr lang="nl-BE" sz="3200" dirty="0" err="1">
                 <a:solidFill>
                   <a:schemeClr val="bg1"/>
                 </a:solidFill>
@@ -6449,7 +6463,7 @@
               <a:t>Weak</a:t>
             </a:r>
             <a:r>
-              <a:rPr lang="nl-BE" sz="3200" i="1" dirty="0">
+              <a:rPr lang="nl-BE" sz="3200" dirty="0">
                 <a:solidFill>
                   <a:schemeClr val="bg1"/>
                 </a:solidFill>
@@ -6457,7 +6471,7 @@
               <a:t> </a:t>
             </a:r>
             <a:r>
-              <a:rPr lang="nl-BE" sz="3200" i="1" dirty="0" err="1">
+              <a:rPr lang="nl-BE" sz="3200" dirty="0" err="1">
                 <a:solidFill>
                   <a:schemeClr val="bg1"/>
                 </a:solidFill>
@@ -6465,7 +6479,7 @@
               <a:t>Cipher</a:t>
             </a:r>
             <a:r>
-              <a:rPr lang="nl-BE" sz="3200" i="1" dirty="0">
+              <a:rPr lang="nl-BE" sz="3200" dirty="0">
                 <a:solidFill>
                   <a:schemeClr val="bg1"/>
                 </a:solidFill>
@@ -6473,7 +6487,7 @@
               <a:t> Suites </a:t>
             </a:r>
             <a:r>
-              <a:rPr lang="nl-BE" sz="3200" i="1" dirty="0" err="1">
+              <a:rPr lang="nl-BE" sz="3200" dirty="0" err="1">
                 <a:solidFill>
                   <a:schemeClr val="bg1"/>
                 </a:solidFill>
@@ -6619,7 +6633,7 @@
               <a:buChar char="•"/>
             </a:pPr>
             <a:r>
-              <a:rPr lang="en-US" sz="3200" i="1" dirty="0" smtClean="0">
+              <a:rPr lang="en-US" sz="3200" dirty="0" smtClean="0">
                 <a:solidFill>
                   <a:schemeClr val="bg1"/>
                 </a:solidFill>
@@ -6706,7 +6720,7 @@
               <a:buChar char="•"/>
             </a:pPr>
             <a:r>
-              <a:rPr lang="nl-BE" sz="3200" i="1" dirty="0" smtClean="0">
+              <a:rPr lang="nl-BE" sz="3200" dirty="0" smtClean="0">
                 <a:solidFill>
                   <a:schemeClr val="bg1"/>
                 </a:solidFill>
@@ -6720,7 +6734,7 @@
               <a:buChar char="•"/>
             </a:pPr>
             <a:r>
-              <a:rPr lang="nl-BE" sz="3200" i="1" dirty="0" smtClean="0">
+              <a:rPr lang="nl-BE" sz="3200" dirty="0" smtClean="0">
                 <a:solidFill>
                   <a:schemeClr val="bg1"/>
                 </a:solidFill>
@@ -6728,7 +6742,7 @@
               <a:t>Geen </a:t>
             </a:r>
             <a:r>
-              <a:rPr lang="nl-BE" sz="3200" i="1" dirty="0" err="1" smtClean="0">
+              <a:rPr lang="nl-BE" sz="3200" dirty="0" err="1" smtClean="0">
                 <a:solidFill>
                   <a:schemeClr val="bg1"/>
                 </a:solidFill>
@@ -6736,7 +6750,7 @@
               <a:t>vulnerabilities</a:t>
             </a:r>
             <a:r>
-              <a:rPr lang="nl-BE" sz="3200" i="1" dirty="0" smtClean="0">
+              <a:rPr lang="nl-BE" sz="3200" dirty="0" smtClean="0">
                 <a:solidFill>
                   <a:schemeClr val="bg1"/>
                 </a:solidFill>
@@ -6831,8 +6845,13 @@
             </a:pPr>
             <a:r>
               <a:rPr lang="nl-BE" sz="4000" dirty="0"/>
-              <a:t>cryptografie + stenografie</a:t>
-            </a:r>
+              <a:t>cryptografie + </a:t>
+            </a:r>
+            <a:r>
+              <a:rPr lang="nl-BE" sz="4000" dirty="0" smtClean="0"/>
+              <a:t>steganografie</a:t>
+            </a:r>
+            <a:endParaRPr lang="nl-BE" sz="4000" dirty="0"/>
           </a:p>
         </p:txBody>
       </p:sp>
@@ -6910,12 +6929,20 @@
               <a:buChar char="•"/>
             </a:pPr>
             <a:r>
+              <a:rPr lang="nl-BE" sz="3200" dirty="0" smtClean="0">
+                <a:solidFill>
+                  <a:schemeClr val="bg1"/>
+                </a:solidFill>
+              </a:rPr>
+              <a:t>Stenografie</a:t>
+            </a:r>
+            <a:r>
               <a:rPr lang="nl-BE" sz="3200" dirty="0">
                 <a:solidFill>
                   <a:schemeClr val="bg1"/>
                 </a:solidFill>
               </a:rPr>
-              <a:t>Stenografie:</a:t>
+              <a:t>:</a:t>
             </a:r>
           </a:p>
           <a:p>
@@ -6994,14 +7021,14 @@
       </p:grpSpPr>
       <p:sp>
         <p:nvSpPr>
-          <p:cNvPr id="3" name="Tekstvak 2"/>
+          <p:cNvPr id="6" name="Tekstvak 5"/>
           <p:cNvSpPr txBox="1"/>
           <p:nvPr/>
         </p:nvSpPr>
         <p:spPr>
           <a:xfrm>
-            <a:off x="426097" y="233266"/>
-            <a:ext cx="11495315" cy="707886"/>
+            <a:off x="878396" y="1201871"/>
+            <a:ext cx="11495315" cy="2308324"/>
           </a:xfrm>
           <a:prstGeom prst="rect">
             <a:avLst/>
@@ -7014,136 +7041,11 @@
           </a:bodyPr>
           <a:lstStyle/>
           <a:p>
-            <a:pPr marL="285750" indent="-285750">
-              <a:buFont typeface="Arial" panose="020B0604020202020204" pitchFamily="34" charset="0"/>
-              <a:buChar char="•"/>
-            </a:pPr>
-            <a:r>
-              <a:rPr lang="nl-BE" sz="4000" dirty="0" smtClean="0"/>
-              <a:t>Slot</a:t>
-            </a:r>
-            <a:endParaRPr lang="nl-BE" sz="4000" dirty="0"/>
-          </a:p>
-        </p:txBody>
-      </p:sp>
-      <p:sp>
-        <p:nvSpPr>
-          <p:cNvPr id="4" name="Tekstvak 3"/>
-          <p:cNvSpPr txBox="1"/>
-          <p:nvPr/>
-        </p:nvSpPr>
-        <p:spPr>
-          <a:xfrm>
-            <a:off x="416766" y="1306286"/>
-            <a:ext cx="11495315" cy="3539430"/>
-          </a:xfrm>
-          <a:prstGeom prst="rect">
-            <a:avLst/>
-          </a:prstGeom>
-          <a:noFill/>
-        </p:spPr>
-        <p:txBody>
-          <a:bodyPr wrap="square" rtlCol="0">
-            <a:spAutoFit/>
-          </a:bodyPr>
-          <a:lstStyle/>
-          <a:p>
-            <a:pPr marL="285750" indent="-285750">
-              <a:buFont typeface="Arial" panose="020B0604020202020204" pitchFamily="34" charset="0"/>
-              <a:buChar char="•"/>
-            </a:pPr>
-            <a:r>
-              <a:rPr lang="nl-BE" sz="3200" dirty="0" smtClean="0">
-                <a:solidFill>
-                  <a:schemeClr val="bg1"/>
-                </a:solidFill>
-              </a:rPr>
-              <a:t>????????</a:t>
-            </a:r>
-          </a:p>
-          <a:p>
-            <a:pPr marL="285750" indent="-285750">
-              <a:buFont typeface="Arial" panose="020B0604020202020204" pitchFamily="34" charset="0"/>
-              <a:buChar char="•"/>
-            </a:pPr>
-            <a:r>
-              <a:rPr lang="nl-BE" sz="3200" dirty="0" smtClean="0">
-                <a:solidFill>
-                  <a:schemeClr val="bg1"/>
-                </a:solidFill>
-              </a:rPr>
-              <a:t>?????????</a:t>
-            </a:r>
-          </a:p>
-          <a:p>
-            <a:pPr marL="285750" indent="-285750">
-              <a:buFont typeface="Arial" panose="020B0604020202020204" pitchFamily="34" charset="0"/>
-              <a:buChar char="•"/>
-            </a:pPr>
-            <a:r>
-              <a:rPr lang="nl-BE" sz="3200" dirty="0" smtClean="0">
-                <a:solidFill>
-                  <a:schemeClr val="bg1"/>
-                </a:solidFill>
-              </a:rPr>
-              <a:t>??????????</a:t>
-            </a:r>
-          </a:p>
-          <a:p>
-            <a:pPr marL="285750" indent="-285750">
-              <a:buFont typeface="Arial" panose="020B0604020202020204" pitchFamily="34" charset="0"/>
-              <a:buChar char="•"/>
-            </a:pPr>
-            <a:r>
-              <a:rPr lang="nl-BE" sz="3200" dirty="0" smtClean="0">
-                <a:solidFill>
-                  <a:schemeClr val="bg1"/>
-                </a:solidFill>
-              </a:rPr>
-              <a:t>???????????</a:t>
-            </a:r>
-          </a:p>
-          <a:p>
-            <a:pPr marL="285750" indent="-285750">
-              <a:buFont typeface="Arial" panose="020B0604020202020204" pitchFamily="34" charset="0"/>
-              <a:buChar char="•"/>
-            </a:pPr>
-            <a:r>
-              <a:rPr lang="nl-BE" sz="3200" dirty="0" smtClean="0">
-                <a:solidFill>
-                  <a:schemeClr val="bg1"/>
-                </a:solidFill>
-              </a:rPr>
-              <a:t>???????????</a:t>
-            </a:r>
-          </a:p>
-          <a:p>
-            <a:pPr marL="285750" indent="-285750">
-              <a:buFont typeface="Arial" panose="020B0604020202020204" pitchFamily="34" charset="0"/>
-              <a:buChar char="•"/>
-            </a:pPr>
-            <a:r>
-              <a:rPr lang="nl-BE" sz="3200" dirty="0" smtClean="0">
-                <a:solidFill>
-                  <a:schemeClr val="bg1"/>
-                </a:solidFill>
-              </a:rPr>
-              <a:t>??????????????</a:t>
-            </a:r>
-          </a:p>
-          <a:p>
-            <a:pPr marL="285750" indent="-285750">
-              <a:buFont typeface="Arial" panose="020B0604020202020204" pitchFamily="34" charset="0"/>
-              <a:buChar char="•"/>
-            </a:pPr>
-            <a:r>
-              <a:rPr lang="nl-BE" sz="3200" dirty="0" smtClean="0">
-                <a:solidFill>
-                  <a:schemeClr val="bg1"/>
-                </a:solidFill>
-              </a:rPr>
-              <a:t>??????????????</a:t>
-            </a:r>
+            <a:r>
+              <a:rPr lang="nl-BE" sz="7200" dirty="0" smtClean="0"/>
+              <a:t>Bedankt voor uw aandacht</a:t>
+            </a:r>
+            <a:endParaRPr lang="nl-BE" sz="7200" dirty="0"/>
           </a:p>
         </p:txBody>
       </p:sp>
